--- a/第一课Git与GitHub.pptx
+++ b/第一课Git与GitHub.pptx
@@ -7,15 +7,16 @@
   <p:sldIdLst>
     <p:sldId id="258" r:id="rId3"/>
     <p:sldId id="256" r:id="rId4"/>
-    <p:sldId id="260" r:id="rId5"/>
-    <p:sldId id="257" r:id="rId6"/>
-    <p:sldId id="259" r:id="rId7"/>
-    <p:sldId id="261" r:id="rId8"/>
-    <p:sldId id="262" r:id="rId9"/>
-    <p:sldId id="264" r:id="rId10"/>
-    <p:sldId id="265" r:id="rId11"/>
-    <p:sldId id="266" r:id="rId12"/>
-    <p:sldId id="267" r:id="rId13"/>
+    <p:sldId id="257" r:id="rId5"/>
+    <p:sldId id="259" r:id="rId6"/>
+    <p:sldId id="261" r:id="rId7"/>
+    <p:sldId id="262" r:id="rId8"/>
+    <p:sldId id="264" r:id="rId9"/>
+    <p:sldId id="265" r:id="rId10"/>
+    <p:sldId id="266" r:id="rId11"/>
+    <p:sldId id="267" r:id="rId12"/>
+    <p:sldId id="269" r:id="rId13"/>
+    <p:sldId id="270" r:id="rId14"/>
   </p:sldIdLst>
   <p:sldSz cx="12192000" cy="6858000"/>
   <p:notesSz cx="7103745" cy="10234295"/>
@@ -2704,6 +2705,20 @@
             </a:r>
             <a:endParaRPr lang="zh-CN" altLang="en-US"/>
           </a:p>
+          <a:p>
+            <a:pPr marL="0" indent="0" algn="ctr">
+              <a:buNone/>
+            </a:pPr>
+            <a:r>
+              <a:rPr lang="zh-CN" altLang="en-US"/>
+              <a:t>时间：</a:t>
+            </a:r>
+            <a:r>
+              <a:rPr lang="en-US" altLang="zh-CN"/>
+              <a:t>2017.10.28</a:t>
+            </a:r>
+            <a:endParaRPr lang="en-US" altLang="zh-CN"/>
+          </a:p>
         </p:txBody>
       </p:sp>
     </p:spTree>
@@ -2734,55 +2749,169 @@
             <p:ph type="title"/>
           </p:nvPr>
         </p:nvSpPr>
-        <p:spPr/>
+        <p:spPr>
+          <a:xfrm>
+            <a:off x="940435" y="405765"/>
+            <a:ext cx="10515600" cy="1325563"/>
+          </a:xfrm>
+        </p:spPr>
         <p:txBody>
           <a:bodyPr/>
           <a:p>
             <a:pPr algn="ctr"/>
+            <a:r>
+              <a:rPr lang="zh-CN" altLang="en-US"/>
+              <a:t>实践</a:t>
+            </a:r>
+            <a:endParaRPr lang="zh-CN" altLang="en-US"/>
+          </a:p>
+        </p:txBody>
+      </p:sp>
+      <p:sp>
+        <p:nvSpPr>
+          <p:cNvPr id="3" name="内容占位符 2"/>
+          <p:cNvSpPr>
+            <a:spLocks noGrp="1"/>
+          </p:cNvSpPr>
+          <p:nvPr>
+            <p:ph idx="1"/>
+          </p:nvPr>
+        </p:nvSpPr>
+        <p:spPr>
+          <a:xfrm>
+            <a:off x="838200" y="2029460"/>
+            <a:ext cx="10515600" cy="4351338"/>
+          </a:xfrm>
+        </p:spPr>
+        <p:txBody>
+          <a:bodyPr/>
+          <a:p>
+            <a:pPr marL="0" indent="0">
+              <a:buNone/>
+            </a:pPr>
+            <a:r>
+              <a:rPr lang="en-US" altLang="zh-CN"/>
+              <a:t>1.</a:t>
+            </a:r>
+            <a:r>
+              <a:rPr lang="zh-CN" altLang="en-US"/>
+              <a:t>从https://github.com/JXUT-Developers/HelloWorld中</a:t>
+            </a:r>
+            <a:r>
+              <a:rPr lang="en-US" altLang="zh-CN"/>
+              <a:t>fork</a:t>
+            </a:r>
+            <a:r>
+              <a:rPr lang="zh-CN" altLang="en-US"/>
+              <a:t>一份代码到自己的</a:t>
+            </a:r>
             <a:r>
               <a:rPr lang="en-US" altLang="zh-CN"/>
               <a:t>GitHub</a:t>
             </a:r>
             <a:r>
               <a:rPr lang="zh-CN" altLang="en-US"/>
-              <a:t>的使用</a:t>
-            </a:r>
-            <a:endParaRPr lang="zh-CN" altLang="en-US"/>
-          </a:p>
-        </p:txBody>
-      </p:sp>
-      <p:sp>
-        <p:nvSpPr>
-          <p:cNvPr id="3" name="内容占位符 2"/>
-          <p:cNvSpPr>
-            <a:spLocks noGrp="1"/>
-          </p:cNvSpPr>
-          <p:nvPr>
-            <p:ph idx="1"/>
-          </p:nvPr>
-        </p:nvSpPr>
-        <p:spPr/>
-        <p:txBody>
-          <a:bodyPr/>
-          <a:p>
-            <a:endParaRPr lang="zh-CN" altLang="en-US"/>
-          </a:p>
-          <a:p>
-            <a:endParaRPr lang="zh-CN" altLang="en-US"/>
-          </a:p>
-          <a:p>
-            <a:pPr marL="0" indent="0" algn="ctr">
+              <a:t>仓库</a:t>
+            </a:r>
+            <a:endParaRPr lang="zh-CN" altLang="en-US"/>
+          </a:p>
+          <a:p>
+            <a:pPr marL="0" indent="0">
               <a:buNone/>
             </a:pPr>
             <a:r>
+              <a:rPr lang="en-US" altLang="zh-CN"/>
+              <a:t>2.</a:t>
+            </a:r>
+            <a:r>
               <a:rPr lang="zh-CN" altLang="en-US"/>
-              <a:t>官网地址：</a:t>
+              <a:t>克隆一份</a:t>
             </a:r>
             <a:r>
               <a:rPr lang="en-US" altLang="zh-CN"/>
-              <a:t>https://github.com</a:t>
+              <a:t>fork</a:t>
+            </a:r>
+            <a:r>
+              <a:rPr lang="zh-CN" altLang="en-US"/>
+              <a:t>的代码到本机</a:t>
+            </a:r>
+            <a:endParaRPr lang="zh-CN" altLang="en-US"/>
+          </a:p>
+          <a:p>
+            <a:pPr marL="0" indent="0">
+              <a:buNone/>
+            </a:pPr>
+            <a:r>
+              <a:rPr lang="en-US" altLang="zh-CN"/>
+              <a:t>3.</a:t>
+            </a:r>
+            <a:r>
+              <a:rPr lang="zh-CN" altLang="en-US"/>
+              <a:t>添加</a:t>
+            </a:r>
+            <a:r>
+              <a:rPr lang="en-US" altLang="zh-CN"/>
+              <a:t>HelloWorld</a:t>
+            </a:r>
+            <a:r>
+              <a:rPr lang="zh-CN" altLang="en-US"/>
+              <a:t>文件并且</a:t>
+            </a:r>
+            <a:r>
+              <a:rPr lang="en-US" altLang="zh-CN"/>
+              <a:t>commit</a:t>
             </a:r>
             <a:endParaRPr lang="en-US" altLang="zh-CN"/>
+          </a:p>
+          <a:p>
+            <a:pPr marL="0" indent="0">
+              <a:buNone/>
+            </a:pPr>
+            <a:r>
+              <a:rPr lang="en-US" altLang="zh-CN"/>
+              <a:t>4.push</a:t>
+            </a:r>
+            <a:r>
+              <a:rPr lang="zh-CN" altLang="en-US"/>
+              <a:t>到自己的</a:t>
+            </a:r>
+            <a:r>
+              <a:rPr lang="en-US" altLang="zh-CN"/>
+              <a:t>GitHub</a:t>
+            </a:r>
+            <a:r>
+              <a:rPr lang="zh-CN" altLang="en-US"/>
+              <a:t>远程仓库</a:t>
+            </a:r>
+            <a:endParaRPr lang="zh-CN" altLang="en-US"/>
+          </a:p>
+          <a:p>
+            <a:pPr marL="0" indent="0">
+              <a:buNone/>
+            </a:pPr>
+            <a:r>
+              <a:rPr lang="en-US" altLang="zh-CN"/>
+              <a:t>5.pull request</a:t>
+            </a:r>
+            <a:r>
+              <a:rPr lang="zh-CN" altLang="en-US"/>
+              <a:t>到</a:t>
+            </a:r>
+            <a:r>
+              <a:rPr lang="zh-CN" altLang="en-US">
+                <a:sym typeface="+mn-ea"/>
+              </a:rPr>
+              <a:t>https://github.com/JXUT-Developers/HelloWorld</a:t>
+            </a:r>
+            <a:endParaRPr lang="zh-CN" altLang="en-US">
+              <a:sym typeface="+mn-ea"/>
+            </a:endParaRPr>
+          </a:p>
+          <a:p>
+            <a:pPr marL="0" indent="0">
+              <a:buNone/>
+            </a:pPr>
+            <a:endParaRPr lang="zh-CN" altLang="en-US"/>
           </a:p>
         </p:txBody>
       </p:sp>
@@ -2816,7 +2945,53 @@
         </p:nvSpPr>
         <p:spPr>
           <a:xfrm>
-            <a:off x="940435" y="405765"/>
+            <a:off x="838200" y="365125"/>
+            <a:ext cx="10515600" cy="5584190"/>
+          </a:xfrm>
+        </p:spPr>
+        <p:txBody>
+          <a:bodyPr/>
+          <a:p>
+            <a:pPr algn="ctr"/>
+            <a:r>
+              <a:rPr lang="en-US" altLang="zh-CN" sz="13800"/>
+              <a:t>Q&amp;A</a:t>
+            </a:r>
+            <a:endParaRPr lang="en-US" altLang="zh-CN" sz="13800"/>
+          </a:p>
+        </p:txBody>
+      </p:sp>
+    </p:spTree>
+  </p:cSld>
+  <p:clrMapOvr>
+    <a:masterClrMapping/>
+  </p:clrMapOvr>
+</p:sld>
+</file>
+
+<file path=ppt/slides/slide12.xml><?xml version="1.0" encoding="utf-8"?>
+<p:sld xmlns:a="http://schemas.openxmlformats.org/drawingml/2006/main" xmlns:r="http://schemas.openxmlformats.org/officeDocument/2006/relationships" xmlns:p="http://schemas.openxmlformats.org/presentationml/2006/main">
+  <p:cSld>
+    <p:spTree>
+      <p:nvGrpSpPr>
+        <p:cNvPr id="1" name=""/>
+        <p:cNvGrpSpPr/>
+        <p:nvPr/>
+      </p:nvGrpSpPr>
+      <p:grpSpPr/>
+      <p:sp>
+        <p:nvSpPr>
+          <p:cNvPr id="2" name="标题 1"/>
+          <p:cNvSpPr>
+            <a:spLocks noGrp="1"/>
+          </p:cNvSpPr>
+          <p:nvPr>
+            <p:ph type="title"/>
+          </p:nvPr>
+        </p:nvSpPr>
+        <p:spPr>
+          <a:xfrm>
+            <a:off x="838200" y="1651635"/>
             <a:ext cx="10515600" cy="1325563"/>
           </a:xfrm>
         </p:spPr>
@@ -2825,10 +3000,10 @@
           <a:p>
             <a:pPr algn="ctr"/>
             <a:r>
-              <a:rPr lang="zh-CN" altLang="en-US"/>
-              <a:t>实践</a:t>
-            </a:r>
-            <a:endParaRPr lang="zh-CN" altLang="en-US"/>
+              <a:rPr lang="zh-CN" altLang="en-US" sz="6600"/>
+              <a:t>谢谢大家！</a:t>
+            </a:r>
+            <a:endParaRPr lang="zh-CN" altLang="en-US" sz="6600"/>
           </a:p>
         </p:txBody>
       </p:sp>
@@ -2844,143 +3019,86 @@
         </p:nvSpPr>
         <p:spPr>
           <a:xfrm>
-            <a:off x="838200" y="2029460"/>
-            <a:ext cx="10515600" cy="4351338"/>
+            <a:off x="838200" y="3244215"/>
+            <a:ext cx="10586720" cy="3342005"/>
           </a:xfrm>
         </p:spPr>
         <p:txBody>
-          <a:bodyPr/>
+          <a:bodyPr>
+            <a:normAutofit/>
+          </a:bodyPr>
           <a:p>
             <a:pPr marL="0" indent="0">
               <a:buNone/>
             </a:pPr>
             <a:r>
+              <a:rPr lang="zh-CN" altLang="en-US"/>
+              <a:t>主讲人联系方式：</a:t>
+            </a:r>
+            <a:endParaRPr lang="zh-CN" altLang="en-US"/>
+          </a:p>
+          <a:p>
+            <a:r>
               <a:rPr lang="en-US" altLang="zh-CN"/>
-              <a:t>1.</a:t>
+              <a:t>QQ</a:t>
             </a:r>
             <a:r>
               <a:rPr lang="zh-CN" altLang="en-US"/>
-              <a:t>从https://github.com/JXUT-Developers/HelloWorld中</a:t>
+              <a:t>：</a:t>
             </a:r>
             <a:r>
               <a:rPr lang="en-US" altLang="zh-CN"/>
-              <a:t>fork</a:t>
-            </a:r>
+              <a:t>2587107273</a:t>
+            </a:r>
+            <a:endParaRPr lang="en-US" altLang="zh-CN"/>
+          </a:p>
+          <a:p>
             <a:r>
               <a:rPr lang="zh-CN" altLang="en-US"/>
-              <a:t>一份代码到自己的</a:t>
-            </a:r>
+              <a:t>手机号</a:t>
+            </a:r>
+            <a:r>
+              <a:rPr lang="en-US" altLang="zh-CN"/>
+              <a:t>(</a:t>
+            </a:r>
+            <a:r>
+              <a:rPr lang="zh-CN" altLang="en-US"/>
+              <a:t>微信号</a:t>
+            </a:r>
+            <a:r>
+              <a:rPr lang="en-US" altLang="zh-CN"/>
+              <a:t>)</a:t>
+            </a:r>
+            <a:r>
+              <a:rPr lang="zh-CN" altLang="en-US"/>
+              <a:t>：</a:t>
+            </a:r>
+            <a:r>
+              <a:rPr lang="en-US" altLang="zh-CN"/>
+              <a:t>15170334491</a:t>
+            </a:r>
+            <a:endParaRPr lang="en-US" altLang="zh-CN"/>
+          </a:p>
+          <a:p>
+            <a:r>
+              <a:rPr lang="zh-CN" altLang="en-US"/>
+              <a:t>简书地址：http://www.jianshu.com/u/c7b407783459</a:t>
+            </a:r>
+            <a:endParaRPr lang="zh-CN" altLang="en-US"/>
+          </a:p>
+          <a:p>
             <a:r>
               <a:rPr lang="en-US" altLang="zh-CN"/>
               <a:t>GitHub</a:t>
             </a:r>
             <a:r>
               <a:rPr lang="zh-CN" altLang="en-US"/>
-              <a:t>仓库</a:t>
-            </a:r>
-            <a:endParaRPr lang="zh-CN" altLang="en-US"/>
-          </a:p>
-          <a:p>
-            <a:pPr marL="0" indent="0">
-              <a:buNone/>
-            </a:pPr>
-            <a:r>
-              <a:rPr lang="en-US" altLang="zh-CN"/>
-              <a:t>2.</a:t>
-            </a:r>
-            <a:r>
-              <a:rPr lang="zh-CN" altLang="en-US"/>
-              <a:t>克隆一份</a:t>
-            </a:r>
-            <a:r>
-              <a:rPr lang="en-US" altLang="zh-CN"/>
-              <a:t>fork</a:t>
-            </a:r>
-            <a:r>
-              <a:rPr lang="zh-CN" altLang="en-US"/>
-              <a:t>的代码</a:t>
-            </a:r>
-            <a:r>
-              <a:rPr lang="zh-CN" altLang="en-US"/>
-              <a:t>到本机</a:t>
-            </a:r>
-            <a:endParaRPr lang="zh-CN" altLang="en-US"/>
-          </a:p>
-          <a:p>
-            <a:pPr marL="0" indent="0">
-              <a:buNone/>
-            </a:pPr>
-            <a:r>
-              <a:rPr lang="en-US" altLang="zh-CN"/>
-              <a:t>3.</a:t>
-            </a:r>
-            <a:r>
-              <a:rPr lang="zh-CN" altLang="en-US"/>
-              <a:t>添加</a:t>
-            </a:r>
-            <a:r>
-              <a:rPr lang="en-US" altLang="zh-CN"/>
-              <a:t>HelloWorld</a:t>
-            </a:r>
-            <a:r>
-              <a:rPr lang="zh-CN" altLang="en-US"/>
-              <a:t>文件并且</a:t>
-            </a:r>
-            <a:r>
-              <a:rPr lang="en-US" altLang="zh-CN"/>
-              <a:t>commit</a:t>
-            </a:r>
+              <a:t>地址：https://github.com/Gitsifu</a:t>
+            </a:r>
+            <a:endParaRPr lang="zh-CN" altLang="en-US"/>
+          </a:p>
+          <a:p>
             <a:endParaRPr lang="en-US" altLang="zh-CN"/>
-          </a:p>
-          <a:p>
-            <a:pPr marL="0" indent="0">
-              <a:buNone/>
-            </a:pPr>
-            <a:r>
-              <a:rPr lang="en-US" altLang="zh-CN"/>
-              <a:t>4.push</a:t>
-            </a:r>
-            <a:r>
-              <a:rPr lang="zh-CN" altLang="en-US"/>
-              <a:t>到自己的</a:t>
-            </a:r>
-            <a:r>
-              <a:rPr lang="en-US" altLang="zh-CN"/>
-              <a:t>GitHub</a:t>
-            </a:r>
-            <a:r>
-              <a:rPr lang="zh-CN" altLang="en-US"/>
-              <a:t>远程仓库</a:t>
-            </a:r>
-            <a:endParaRPr lang="zh-CN" altLang="en-US"/>
-          </a:p>
-          <a:p>
-            <a:pPr marL="0" indent="0">
-              <a:buNone/>
-            </a:pPr>
-            <a:r>
-              <a:rPr lang="en-US" altLang="zh-CN"/>
-              <a:t>5.pull request</a:t>
-            </a:r>
-            <a:r>
-              <a:rPr lang="zh-CN" altLang="en-US"/>
-              <a:t>到</a:t>
-            </a:r>
-            <a:r>
-              <a:rPr lang="zh-CN" altLang="en-US">
-                <a:sym typeface="+mn-ea"/>
-              </a:rPr>
-              <a:t>https://github.com/JXUT-Developers/HelloWorld</a:t>
-            </a:r>
-            <a:endParaRPr lang="zh-CN" altLang="en-US">
-              <a:sym typeface="+mn-ea"/>
-            </a:endParaRPr>
-          </a:p>
-          <a:p>
-            <a:pPr marL="0" indent="0">
-              <a:buNone/>
-            </a:pPr>
-            <a:endParaRPr lang="zh-CN" altLang="en-US"/>
           </a:p>
         </p:txBody>
       </p:sp>
@@ -3073,99 +3191,6 @@
 </file>
 
 <file path=ppt/slides/slide3.xml><?xml version="1.0" encoding="utf-8"?>
-<p:sld xmlns:a="http://schemas.openxmlformats.org/drawingml/2006/main" xmlns:r="http://schemas.openxmlformats.org/officeDocument/2006/relationships" xmlns:p="http://schemas.openxmlformats.org/presentationml/2006/main">
-  <p:cSld>
-    <p:spTree>
-      <p:nvGrpSpPr>
-        <p:cNvPr id="1" name=""/>
-        <p:cNvGrpSpPr/>
-        <p:nvPr/>
-      </p:nvGrpSpPr>
-      <p:grpSpPr/>
-      <p:sp>
-        <p:nvSpPr>
-          <p:cNvPr id="2" name="标题 1"/>
-          <p:cNvSpPr>
-            <a:spLocks noGrp="1"/>
-          </p:cNvSpPr>
-          <p:nvPr>
-            <p:ph type="title"/>
-          </p:nvPr>
-        </p:nvSpPr>
-        <p:spPr>
-          <a:xfrm>
-            <a:off x="838200" y="1059815"/>
-            <a:ext cx="10515600" cy="1325563"/>
-          </a:xfrm>
-        </p:spPr>
-        <p:txBody>
-          <a:bodyPr/>
-          <a:p>
-            <a:pPr algn="ctr"/>
-            <a:r>
-              <a:rPr lang="en-US" altLang="zh-CN"/>
-              <a:t>Git</a:t>
-            </a:r>
-            <a:r>
-              <a:rPr lang="zh-CN" altLang="en-US"/>
-              <a:t>有什么特点？</a:t>
-            </a:r>
-            <a:endParaRPr lang="zh-CN" altLang="en-US"/>
-          </a:p>
-        </p:txBody>
-      </p:sp>
-      <p:sp>
-        <p:nvSpPr>
-          <p:cNvPr id="3" name="内容占位符 2"/>
-          <p:cNvSpPr>
-            <a:spLocks noGrp="1"/>
-          </p:cNvSpPr>
-          <p:nvPr>
-            <p:ph idx="1"/>
-          </p:nvPr>
-        </p:nvSpPr>
-        <p:spPr/>
-        <p:txBody>
-          <a:bodyPr/>
-          <a:p>
-            <a:pPr marL="0" indent="0">
-              <a:buNone/>
-            </a:pPr>
-            <a:endParaRPr lang="zh-CN" altLang="en-US"/>
-          </a:p>
-          <a:p>
-            <a:pPr marL="0" indent="0">
-              <a:buNone/>
-            </a:pPr>
-            <a:endParaRPr lang="zh-CN" altLang="en-US"/>
-          </a:p>
-          <a:p>
-            <a:pPr marL="0" indent="0">
-              <a:buNone/>
-            </a:pPr>
-            <a:endParaRPr lang="zh-CN" altLang="en-US"/>
-          </a:p>
-          <a:p>
-            <a:pPr marL="0" indent="0" algn="ctr">
-              <a:buNone/>
-            </a:pPr>
-            <a:r>
-              <a:rPr lang="zh-CN" altLang="en-US"/>
-              <a:t>高端大气上档次！</a:t>
-            </a:r>
-            <a:endParaRPr lang="zh-CN" altLang="en-US"/>
-          </a:p>
-        </p:txBody>
-      </p:sp>
-    </p:spTree>
-  </p:cSld>
-  <p:clrMapOvr>
-    <a:masterClrMapping/>
-  </p:clrMapOvr>
-</p:sld>
-</file>
-
-<file path=ppt/slides/slide4.xml><?xml version="1.0" encoding="utf-8"?>
 <p:sld xmlns:a="http://schemas.openxmlformats.org/drawingml/2006/main" xmlns:r="http://schemas.openxmlformats.org/officeDocument/2006/relationships" xmlns:p="http://schemas.openxmlformats.org/presentationml/2006/main">
   <p:cSld>
     <p:spTree>
@@ -3259,7 +3284,7 @@
 </p:sld>
 </file>
 
-<file path=ppt/slides/slide5.xml><?xml version="1.0" encoding="utf-8"?>
+<file path=ppt/slides/slide4.xml><?xml version="1.0" encoding="utf-8"?>
 <p:sld xmlns:a="http://schemas.openxmlformats.org/drawingml/2006/main" xmlns:r="http://schemas.openxmlformats.org/officeDocument/2006/relationships" xmlns:p="http://schemas.openxmlformats.org/presentationml/2006/main">
   <p:cSld>
     <p:spTree>
@@ -3361,6 +3386,109 @@
 </p:sld>
 </file>
 
+<file path=ppt/slides/slide5.xml><?xml version="1.0" encoding="utf-8"?>
+<p:sld xmlns:a="http://schemas.openxmlformats.org/drawingml/2006/main" xmlns:r="http://schemas.openxmlformats.org/officeDocument/2006/relationships" xmlns:p="http://schemas.openxmlformats.org/presentationml/2006/main">
+  <p:cSld>
+    <p:spTree>
+      <p:nvGrpSpPr>
+        <p:cNvPr id="1" name=""/>
+        <p:cNvGrpSpPr/>
+        <p:nvPr/>
+      </p:nvGrpSpPr>
+      <p:grpSpPr/>
+      <p:sp>
+        <p:nvSpPr>
+          <p:cNvPr id="2" name="标题 1"/>
+          <p:cNvSpPr>
+            <a:spLocks noGrp="1"/>
+          </p:cNvSpPr>
+          <p:nvPr>
+            <p:ph type="title"/>
+          </p:nvPr>
+        </p:nvSpPr>
+        <p:spPr>
+          <a:xfrm>
+            <a:off x="838200" y="512445"/>
+            <a:ext cx="10515600" cy="1325563"/>
+          </a:xfrm>
+        </p:spPr>
+        <p:txBody>
+          <a:bodyPr/>
+          <a:p>
+            <a:pPr algn="ctr"/>
+            <a:r>
+              <a:rPr lang="en-US" altLang="zh-CN"/>
+              <a:t>Git</a:t>
+            </a:r>
+            <a:r>
+              <a:rPr lang="zh-CN" altLang="en-US"/>
+              <a:t>的安装</a:t>
+            </a:r>
+            <a:endParaRPr lang="zh-CN" altLang="en-US"/>
+          </a:p>
+        </p:txBody>
+      </p:sp>
+      <p:sp>
+        <p:nvSpPr>
+          <p:cNvPr id="3" name="内容占位符 2"/>
+          <p:cNvSpPr>
+            <a:spLocks noGrp="1"/>
+          </p:cNvSpPr>
+          <p:nvPr>
+            <p:ph idx="1"/>
+          </p:nvPr>
+        </p:nvSpPr>
+        <p:spPr>
+          <a:xfrm>
+            <a:off x="838200" y="2554605"/>
+            <a:ext cx="10515600" cy="4351338"/>
+          </a:xfrm>
+        </p:spPr>
+        <p:txBody>
+          <a:bodyPr/>
+          <a:p>
+            <a:r>
+              <a:rPr lang="en-US" altLang="zh-CN"/>
+              <a:t>Debian或Ubuntu Linux</a:t>
+            </a:r>
+            <a:r>
+              <a:rPr lang="zh-CN" altLang="en-US"/>
+              <a:t>安装：sudo apt-get install git</a:t>
+            </a:r>
+            <a:endParaRPr lang="zh-CN" altLang="en-US"/>
+          </a:p>
+          <a:p>
+            <a:endParaRPr lang="zh-CN" altLang="en-US"/>
+          </a:p>
+          <a:p>
+            <a:r>
+              <a:rPr lang="en-US" altLang="zh-CN"/>
+              <a:t>Mac</a:t>
+            </a:r>
+            <a:r>
+              <a:rPr lang="zh-CN" altLang="en-US"/>
+              <a:t>和</a:t>
+            </a:r>
+            <a:r>
+              <a:rPr lang="en-US" altLang="zh-CN"/>
+              <a:t>windows</a:t>
+            </a:r>
+            <a:r>
+              <a:rPr lang="zh-CN" altLang="en-US"/>
+              <a:t>安装：https://git-scm.com/下载客户端</a:t>
+            </a:r>
+            <a:endParaRPr lang="zh-CN" altLang="en-US"/>
+          </a:p>
+        </p:txBody>
+      </p:sp>
+    </p:spTree>
+  </p:cSld>
+  <p:clrMapOvr>
+    <a:masterClrMapping/>
+  </p:clrMapOvr>
+</p:sld>
+</file>
+
 <file path=ppt/slides/slide6.xml><?xml version="1.0" encoding="utf-8"?>
 <p:sld xmlns:a="http://schemas.openxmlformats.org/drawingml/2006/main" xmlns:r="http://schemas.openxmlformats.org/officeDocument/2006/relationships" xmlns:p="http://schemas.openxmlformats.org/presentationml/2006/main">
   <p:cSld>
@@ -3381,12 +3509,7 @@
             <p:ph type="title"/>
           </p:nvPr>
         </p:nvSpPr>
-        <p:spPr>
-          <a:xfrm>
-            <a:off x="838200" y="512445"/>
-            <a:ext cx="10515600" cy="1325563"/>
-          </a:xfrm>
-        </p:spPr>
+        <p:spPr/>
         <p:txBody>
           <a:bodyPr/>
           <a:p>
@@ -3397,7 +3520,7 @@
             </a:r>
             <a:r>
               <a:rPr lang="zh-CN" altLang="en-US"/>
-              <a:t>的安装</a:t>
+              <a:t>的基本使用</a:t>
             </a:r>
             <a:endParaRPr lang="zh-CN" altLang="en-US"/>
           </a:p>
@@ -3413,46 +3536,35 @@
             <p:ph idx="1"/>
           </p:nvPr>
         </p:nvSpPr>
-        <p:spPr>
-          <a:xfrm>
-            <a:off x="838200" y="2554605"/>
-            <a:ext cx="10515600" cy="4351338"/>
-          </a:xfrm>
-        </p:spPr>
-        <p:txBody>
-          <a:bodyPr/>
-          <a:p>
-            <a:r>
-              <a:rPr lang="en-US" altLang="zh-CN"/>
-              <a:t>Debian或Ubuntu Linux</a:t>
-            </a:r>
-            <a:r>
-              <a:rPr lang="zh-CN" altLang="en-US"/>
-              <a:t>安装：sudo apt-get install git</a:t>
-            </a:r>
-            <a:endParaRPr lang="zh-CN" altLang="en-US"/>
-          </a:p>
-          <a:p>
-            <a:endParaRPr lang="zh-CN" altLang="en-US"/>
-          </a:p>
-          <a:p>
-            <a:r>
-              <a:rPr lang="en-US" altLang="zh-CN"/>
-              <a:t>Mac</a:t>
-            </a:r>
-            <a:r>
-              <a:rPr lang="zh-CN" altLang="en-US"/>
-              <a:t>和</a:t>
-            </a:r>
-            <a:r>
-              <a:rPr lang="en-US" altLang="zh-CN"/>
-              <a:t>windows</a:t>
-            </a:r>
-            <a:r>
-              <a:rPr lang="zh-CN" altLang="en-US"/>
-              <a:t>安装：https://git-scm.com/下载客户端</a:t>
-            </a:r>
-            <a:endParaRPr lang="zh-CN" altLang="en-US"/>
+        <p:spPr/>
+        <p:txBody>
+          <a:bodyPr/>
+          <a:p>
+            <a:r>
+              <a:t>初始化一个Git仓库，使用git init命令。</a:t>
+            </a:r>
+          </a:p>
+          <a:p>
+            <a:r>
+              <a:t>添加文件到Git仓库，分两步：</a:t>
+            </a:r>
+          </a:p>
+          <a:p>
+            <a:r>
+              <a:t>第一步，使用命令git add &lt;file&gt;，注意，可反复多次使用，添加多个文件；</a:t>
+            </a:r>
+          </a:p>
+          <a:p>
+            <a:r>
+              <a:t>第二步，使用命令git commit </a:t>
+            </a:r>
+            <a:r>
+              <a:rPr lang="en-US"/>
+              <a:t>-m “&lt;description&gt;”</a:t>
+            </a:r>
+            <a:r>
+              <a:t>，完成。</a:t>
+            </a:r>
           </a:p>
         </p:txBody>
       </p:sp>
@@ -3484,22 +3596,23 @@
             <p:ph type="title"/>
           </p:nvPr>
         </p:nvSpPr>
-        <p:spPr/>
+        <p:spPr>
+          <a:xfrm>
+            <a:off x="981075" y="1968500"/>
+            <a:ext cx="10515600" cy="1325563"/>
+          </a:xfrm>
+        </p:spPr>
         <p:txBody>
           <a:bodyPr/>
           <a:p>
             <a:pPr algn="ctr"/>
             <a:r>
               <a:rPr lang="en-US" altLang="zh-CN"/>
-              <a:t>Git</a:t>
+              <a:t>Git--</a:t>
             </a:r>
             <a:r>
               <a:rPr lang="zh-CN" altLang="en-US"/>
-              <a:t>的基本</a:t>
-            </a:r>
-            <a:r>
-              <a:rPr lang="zh-CN" altLang="en-US"/>
-              <a:t>使用</a:t>
+              <a:t>工作区和暂存区的概念</a:t>
             </a:r>
             <a:endParaRPr lang="zh-CN" altLang="en-US"/>
           </a:p>
@@ -3515,35 +3628,16 @@
             <p:ph idx="1"/>
           </p:nvPr>
         </p:nvSpPr>
-        <p:spPr/>
-        <p:txBody>
-          <a:bodyPr/>
-          <a:p>
-            <a:r>
-              <a:t>初始化一个Git仓库，使用git init命令。</a:t>
-            </a:r>
-          </a:p>
-          <a:p>
-            <a:r>
-              <a:t>添加文件到Git仓库，分两步：</a:t>
-            </a:r>
-          </a:p>
-          <a:p>
-            <a:r>
-              <a:t>第一步，使用命令git add &lt;file&gt;，注意，可反复多次使用，添加多个文件；</a:t>
-            </a:r>
-          </a:p>
-          <a:p>
-            <a:r>
-              <a:t>第二步，使用命令git commit </a:t>
-            </a:r>
-            <a:r>
-              <a:rPr lang="en-US"/>
-              <a:t>-m “&lt;description&gt;”</a:t>
-            </a:r>
-            <a:r>
-              <a:t>，完成。</a:t>
-            </a:r>
+        <p:spPr>
+          <a:xfrm>
+            <a:off x="664210" y="3561080"/>
+            <a:ext cx="10515600" cy="4351338"/>
+          </a:xfrm>
+        </p:spPr>
+        <p:txBody>
+          <a:bodyPr/>
+          <a:p>
+            <a:endParaRPr lang="zh-CN" altLang="en-US"/>
           </a:p>
         </p:txBody>
       </p:sp>
@@ -3577,7 +3671,7 @@
         </p:nvSpPr>
         <p:spPr>
           <a:xfrm>
-            <a:off x="981075" y="1968500"/>
+            <a:off x="1113790" y="2030095"/>
             <a:ext cx="10515600" cy="1325563"/>
           </a:xfrm>
         </p:spPr>
@@ -3591,7 +3685,7 @@
             </a:r>
             <a:r>
               <a:rPr lang="zh-CN" altLang="en-US"/>
-              <a:t>工作区和暂存区的概念</a:t>
+              <a:t>分支的概念</a:t>
             </a:r>
             <a:endParaRPr lang="zh-CN" altLang="en-US"/>
           </a:p>
@@ -3609,12 +3703,14 @@
         </p:nvSpPr>
         <p:spPr>
           <a:xfrm>
-            <a:off x="664210" y="3561080"/>
+            <a:off x="542290" y="4123055"/>
             <a:ext cx="10515600" cy="4351338"/>
           </a:xfrm>
         </p:spPr>
         <p:txBody>
-          <a:bodyPr/>
+          <a:bodyPr>
+            <a:normAutofit/>
+          </a:bodyPr>
           <a:p>
             <a:endParaRPr lang="zh-CN" altLang="en-US"/>
           </a:p>
@@ -3648,23 +3744,18 @@
             <p:ph type="title"/>
           </p:nvPr>
         </p:nvSpPr>
-        <p:spPr>
-          <a:xfrm>
-            <a:off x="1113790" y="2030095"/>
-            <a:ext cx="10515600" cy="1325563"/>
-          </a:xfrm>
-        </p:spPr>
+        <p:spPr/>
         <p:txBody>
           <a:bodyPr/>
           <a:p>
             <a:pPr algn="ctr"/>
             <a:r>
               <a:rPr lang="en-US" altLang="zh-CN"/>
-              <a:t>Git--</a:t>
+              <a:t>GitHub</a:t>
             </a:r>
             <a:r>
               <a:rPr lang="zh-CN" altLang="en-US"/>
-              <a:t>分支的概念</a:t>
+              <a:t>的使用</a:t>
             </a:r>
             <a:endParaRPr lang="zh-CN" altLang="en-US"/>
           </a:p>
@@ -3680,18 +3771,28 @@
             <p:ph idx="1"/>
           </p:nvPr>
         </p:nvSpPr>
-        <p:spPr>
-          <a:xfrm>
-            <a:off x="542290" y="4123055"/>
-            <a:ext cx="10515600" cy="4351338"/>
-          </a:xfrm>
-        </p:spPr>
-        <p:txBody>
-          <a:bodyPr>
-            <a:normAutofit/>
-          </a:bodyPr>
-          <a:p>
-            <a:endParaRPr lang="zh-CN" altLang="en-US"/>
+        <p:spPr/>
+        <p:txBody>
+          <a:bodyPr/>
+          <a:p>
+            <a:endParaRPr lang="zh-CN" altLang="en-US"/>
+          </a:p>
+          <a:p>
+            <a:endParaRPr lang="zh-CN" altLang="en-US"/>
+          </a:p>
+          <a:p>
+            <a:pPr marL="0" indent="0" algn="ctr">
+              <a:buNone/>
+            </a:pPr>
+            <a:r>
+              <a:rPr lang="zh-CN" altLang="en-US"/>
+              <a:t>官网地址：</a:t>
+            </a:r>
+            <a:r>
+              <a:rPr lang="en-US" altLang="zh-CN"/>
+              <a:t>https://github.com</a:t>
+            </a:r>
+            <a:endParaRPr lang="en-US" altLang="zh-CN"/>
           </a:p>
         </p:txBody>
       </p:sp>
